--- a/cai/redo-2024/Slides/10-01-python4e.01.120116.pptx
+++ b/cai/redo-2024/Slides/10-01-python4e.01.120116.pptx
@@ -6294,8 +6294,53 @@
                 <a:cs typeface="Courier New"/>
                 <a:sym typeface="Courier New"/>
               </a:rPr>
-              <a:t> = {'a':10, 'b':1, 'c':22}</a:t>
-            </a:r>
+              <a:t> </a:t>
+            </a:r>
+            <a:r>
+              <a:rPr lang="en-US" sz="3000" b="1" i="0" u="none" strike="noStrike" cap="none">
+                <a:solidFill>
+                  <a:schemeClr val="lt1"/>
+                </a:solidFill>
+                <a:latin typeface="Courier New"/>
+                <a:ea typeface="Courier New"/>
+                <a:cs typeface="Courier New"/>
+                <a:sym typeface="Courier New"/>
+              </a:rPr>
+              <a:t>= {'b</a:t>
+            </a:r>
+            <a:r>
+              <a:rPr lang="en-US" sz="3000" b="1" i="0" u="none" strike="noStrike" cap="none" dirty="0">
+                <a:solidFill>
+                  <a:schemeClr val="lt1"/>
+                </a:solidFill>
+                <a:latin typeface="Courier New"/>
+                <a:ea typeface="Courier New"/>
+                <a:cs typeface="Courier New"/>
+                <a:sym typeface="Courier New"/>
+              </a:rPr>
+              <a:t>':1, 'c</a:t>
+            </a:r>
+            <a:r>
+              <a:rPr lang="en-US" sz="3000" b="1" i="0" u="none" strike="noStrike" cap="none">
+                <a:solidFill>
+                  <a:schemeClr val="lt1"/>
+                </a:solidFill>
+                <a:latin typeface="Courier New"/>
+                <a:ea typeface="Courier New"/>
+                <a:cs typeface="Courier New"/>
+                <a:sym typeface="Courier New"/>
+              </a:rPr>
+              <a:t>':22, 'a':10}</a:t>
+            </a:r>
+            <a:endParaRPr lang="en-US" sz="3000" b="1" i="0" u="none" strike="noStrike" cap="none" dirty="0">
+              <a:solidFill>
+                <a:schemeClr val="lt1"/>
+              </a:solidFill>
+              <a:latin typeface="Courier New"/>
+              <a:ea typeface="Courier New"/>
+              <a:cs typeface="Courier New"/>
+              <a:sym typeface="Courier New"/>
+            </a:endParaRPr>
           </a:p>
           <a:p>
             <a:pPr marL="0" marR="0" lvl="0" indent="0" algn="l" rtl="0">
